--- a/chapter11/ASE_11_Design_Implementation.pptx
+++ b/chapter11/ASE_11_Design_Implementation.pptx
@@ -201,7 +201,7 @@
 <file path=ppt/revisionInfo.xml><?xml version="1.0" encoding="utf-8"?>
 <p1510:revInfo xmlns:a="http://schemas.openxmlformats.org/drawingml/2006/main" xmlns:r="http://schemas.openxmlformats.org/officeDocument/2006/relationships" xmlns:p1510="http://schemas.microsoft.com/office/powerpoint/2015/10/main">
   <p1510:revLst>
-    <p1510:client id="{97BB2D4A-8063-4264-9458-21B9BFCFA96C}" v="140" dt="2018-10-07T04:34:56.312"/>
+    <p1510:client id="{97BB2D4A-8063-4264-9458-21B9BFCFA96C}" v="145" dt="2018-10-08T17:38:02.794"/>
   </p1510:revLst>
 </p1510:revInfo>
 </file>
@@ -211,18 +211,18 @@
   <pc:docChgLst>
     <pc:chgData name="Xin Zou" userId="260b9726081dae15" providerId="LiveId" clId="{97BB2D4A-8063-4264-9458-21B9BFCFA96C}"/>
     <pc:docChg chg="undo custSel mod addSld delSld modSld modMainMaster">
-      <pc:chgData name="Xin Zou" userId="260b9726081dae15" providerId="LiveId" clId="{97BB2D4A-8063-4264-9458-21B9BFCFA96C}" dt="2018-10-07T04:35:11.658" v="621" actId="27636"/>
+      <pc:chgData name="Xin Zou" userId="260b9726081dae15" providerId="LiveId" clId="{97BB2D4A-8063-4264-9458-21B9BFCFA96C}" dt="2018-10-08T17:38:02.790" v="631"/>
       <pc:docMkLst>
         <pc:docMk/>
       </pc:docMkLst>
       <pc:sldChg chg="modSp">
-        <pc:chgData name="Xin Zou" userId="260b9726081dae15" providerId="LiveId" clId="{97BB2D4A-8063-4264-9458-21B9BFCFA96C}" dt="2018-10-07T04:17:21.987" v="22" actId="27636"/>
+        <pc:chgData name="Xin Zou" userId="260b9726081dae15" providerId="LiveId" clId="{97BB2D4A-8063-4264-9458-21B9BFCFA96C}" dt="2018-10-08T17:38:02.790" v="631"/>
         <pc:sldMkLst>
           <pc:docMk/>
           <pc:sldMk cId="0" sldId="265"/>
         </pc:sldMkLst>
         <pc:spChg chg="mod">
-          <ac:chgData name="Xin Zou" userId="260b9726081dae15" providerId="LiveId" clId="{97BB2D4A-8063-4264-9458-21B9BFCFA96C}" dt="2018-10-07T04:17:21.987" v="22" actId="27636"/>
+          <ac:chgData name="Xin Zou" userId="260b9726081dae15" providerId="LiveId" clId="{97BB2D4A-8063-4264-9458-21B9BFCFA96C}" dt="2018-10-08T17:38:02.790" v="631"/>
           <ac:spMkLst>
             <pc:docMk/>
             <pc:sldMk cId="0" sldId="265"/>
@@ -4567,7 +4567,7 @@
             <a:fld id="{6455661B-2E2A-4413-A8EF-12FE8F14696A}" type="datetimeFigureOut">
               <a:rPr lang="en-US" smtClean="0"/>
               <a:pPr/>
-              <a:t>10/6/2018</a:t>
+              <a:t>10/8/2018</a:t>
             </a:fld>
             <a:endParaRPr lang="en-US"/>
           </a:p>
@@ -5033,7 +5033,7 @@
           <a:p>
             <a:fld id="{48A87A34-81AB-432B-8DAE-1953F412C126}" type="datetimeFigureOut">
               <a:rPr lang="en-US" smtClean="0"/>
-              <a:t>10/6/2018</a:t>
+              <a:t>10/8/2018</a:t>
             </a:fld>
             <a:endParaRPr lang="en-US" dirty="0"/>
           </a:p>
@@ -5315,7 +5315,7 @@
             <a:fld id="{48A87A34-81AB-432B-8DAE-1953F412C126}" type="datetimeFigureOut">
               <a:rPr lang="en-US" smtClean="0"/>
               <a:pPr/>
-              <a:t>10/6/2018</a:t>
+              <a:t>10/8/2018</a:t>
             </a:fld>
             <a:endParaRPr lang="en-US" dirty="0"/>
           </a:p>
@@ -5509,7 +5509,7 @@
             <a:fld id="{48A87A34-81AB-432B-8DAE-1953F412C126}" type="datetimeFigureOut">
               <a:rPr lang="en-US" smtClean="0"/>
               <a:pPr/>
-              <a:t>10/6/2018</a:t>
+              <a:t>10/8/2018</a:t>
             </a:fld>
             <a:endParaRPr lang="en-US" dirty="0"/>
           </a:p>
@@ -5772,7 +5772,7 @@
             <a:fld id="{48A87A34-81AB-432B-8DAE-1953F412C126}" type="datetimeFigureOut">
               <a:rPr lang="en-US" smtClean="0"/>
               <a:pPr/>
-              <a:t>10/6/2018</a:t>
+              <a:t>10/8/2018</a:t>
             </a:fld>
             <a:endParaRPr lang="en-US" dirty="0"/>
           </a:p>
@@ -6200,7 +6200,7 @@
             <a:fld id="{48A87A34-81AB-432B-8DAE-1953F412C126}" type="datetimeFigureOut">
               <a:rPr lang="en-US" smtClean="0"/>
               <a:pPr/>
-              <a:t>10/6/2018</a:t>
+              <a:t>10/8/2018</a:t>
             </a:fld>
             <a:endParaRPr lang="en-US" dirty="0"/>
           </a:p>
@@ -6748,7 +6748,7 @@
             <a:fld id="{48A87A34-81AB-432B-8DAE-1953F412C126}" type="datetimeFigureOut">
               <a:rPr lang="en-US" smtClean="0"/>
               <a:pPr/>
-              <a:t>10/6/2018</a:t>
+              <a:t>10/8/2018</a:t>
             </a:fld>
             <a:endParaRPr lang="en-US" dirty="0"/>
           </a:p>
@@ -7581,7 +7581,7 @@
             <a:fld id="{48A87A34-81AB-432B-8DAE-1953F412C126}" type="datetimeFigureOut">
               <a:rPr lang="en-US" smtClean="0"/>
               <a:pPr/>
-              <a:t>10/6/2018</a:t>
+              <a:t>10/8/2018</a:t>
             </a:fld>
             <a:endParaRPr lang="en-US" dirty="0"/>
           </a:p>
@@ -7752,7 +7752,7 @@
           <a:p>
             <a:fld id="{48A87A34-81AB-432B-8DAE-1953F412C126}" type="datetimeFigureOut">
               <a:rPr lang="en-US" smtClean="0"/>
-              <a:t>10/6/2018</a:t>
+              <a:t>10/8/2018</a:t>
             </a:fld>
             <a:endParaRPr lang="en-US" dirty="0"/>
           </a:p>
@@ -7932,7 +7932,7 @@
           <a:p>
             <a:fld id="{48A87A34-81AB-432B-8DAE-1953F412C126}" type="datetimeFigureOut">
               <a:rPr lang="en-US" smtClean="0"/>
-              <a:t>10/6/2018</a:t>
+              <a:t>10/8/2018</a:t>
             </a:fld>
             <a:endParaRPr lang="en-US" dirty="0"/>
           </a:p>
@@ -8102,7 +8102,7 @@
           <a:p>
             <a:fld id="{48A87A34-81AB-432B-8DAE-1953F412C126}" type="datetimeFigureOut">
               <a:rPr lang="en-US" smtClean="0"/>
-              <a:t>10/6/2018</a:t>
+              <a:t>10/8/2018</a:t>
             </a:fld>
             <a:endParaRPr lang="en-US" dirty="0"/>
           </a:p>
@@ -8359,7 +8359,7 @@
           <a:p>
             <a:fld id="{48A87A34-81AB-432B-8DAE-1953F412C126}" type="datetimeFigureOut">
               <a:rPr lang="en-US" smtClean="0"/>
-              <a:t>10/6/2018</a:t>
+              <a:t>10/8/2018</a:t>
             </a:fld>
             <a:endParaRPr lang="en-US" dirty="0"/>
           </a:p>
@@ -8591,7 +8591,7 @@
           <a:p>
             <a:fld id="{48A87A34-81AB-432B-8DAE-1953F412C126}" type="datetimeFigureOut">
               <a:rPr lang="en-US" smtClean="0"/>
-              <a:t>10/6/2018</a:t>
+              <a:t>10/8/2018</a:t>
             </a:fld>
             <a:endParaRPr lang="en-US" dirty="0"/>
           </a:p>
@@ -8984,7 +8984,7 @@
           <a:p>
             <a:fld id="{48A87A34-81AB-432B-8DAE-1953F412C126}" type="datetimeFigureOut">
               <a:rPr lang="en-US" smtClean="0"/>
-              <a:t>10/6/2018</a:t>
+              <a:t>10/8/2018</a:t>
             </a:fld>
             <a:endParaRPr lang="en-US" dirty="0"/>
           </a:p>
@@ -9102,7 +9102,7 @@
           <a:p>
             <a:fld id="{48A87A34-81AB-432B-8DAE-1953F412C126}" type="datetimeFigureOut">
               <a:rPr lang="en-US" smtClean="0"/>
-              <a:t>10/6/2018</a:t>
+              <a:t>10/8/2018</a:t>
             </a:fld>
             <a:endParaRPr lang="en-US" dirty="0"/>
           </a:p>
@@ -9197,7 +9197,7 @@
           <a:p>
             <a:fld id="{48A87A34-81AB-432B-8DAE-1953F412C126}" type="datetimeFigureOut">
               <a:rPr lang="en-US" smtClean="0"/>
-              <a:t>10/6/2018</a:t>
+              <a:t>10/8/2018</a:t>
             </a:fld>
             <a:endParaRPr lang="en-US" dirty="0"/>
           </a:p>
@@ -9470,7 +9470,7 @@
           <a:p>
             <a:fld id="{48A87A34-81AB-432B-8DAE-1953F412C126}" type="datetimeFigureOut">
               <a:rPr lang="en-US" smtClean="0"/>
-              <a:t>10/6/2018</a:t>
+              <a:t>10/8/2018</a:t>
             </a:fld>
             <a:endParaRPr lang="en-US" dirty="0"/>
           </a:p>
@@ -9751,7 +9751,7 @@
           <a:p>
             <a:fld id="{48A87A34-81AB-432B-8DAE-1953F412C126}" type="datetimeFigureOut">
               <a:rPr lang="en-US" smtClean="0"/>
-              <a:t>10/6/2018</a:t>
+              <a:t>10/8/2018</a:t>
             </a:fld>
             <a:endParaRPr lang="en-US" dirty="0"/>
           </a:p>
@@ -9992,7 +9992,7 @@
             <a:fld id="{48A87A34-81AB-432B-8DAE-1953F412C126}" type="datetimeFigureOut">
               <a:rPr lang="en-US" smtClean="0"/>
               <a:pPr/>
-              <a:t>10/6/2018</a:t>
+              <a:t>10/8/2018</a:t>
             </a:fld>
             <a:endParaRPr lang="en-US" dirty="0"/>
           </a:p>
@@ -10562,7 +10562,7 @@
             <a:spLocks noGrp="1"/>
           </p:cNvSpPr>
           <p:nvPr>
-            <p:ph type="ctrTitle"/>
+            <p:ph type="title"/>
           </p:nvPr>
         </p:nvSpPr>
         <p:spPr/>
@@ -10590,13 +10590,13 @@
             <a:spLocks noGrp="1"/>
           </p:cNvSpPr>
           <p:nvPr>
-            <p:ph type="subTitle" idx="1"/>
+            <p:ph type="body" sz="half" idx="2"/>
           </p:nvPr>
         </p:nvSpPr>
         <p:spPr/>
         <p:txBody>
           <a:bodyPr>
-            <a:normAutofit fontScale="70000" lnSpcReduction="20000"/>
+            <a:normAutofit/>
           </a:bodyPr>
           <a:lstStyle/>
           <a:p>
@@ -10620,6 +10620,14 @@
             <a:r>
               <a:rPr lang="zh-CN" altLang="en-US" dirty="0"/>
               <a:t>现代软件工程</a:t>
+            </a:r>
+            <a:endParaRPr lang="en-US" altLang="zh-CN" dirty="0"/>
+          </a:p>
+          <a:p>
+            <a:pPr eaLnBrk="1" hangingPunct="1"/>
+            <a:r>
+              <a:rPr lang="en-US" altLang="zh-CN"/>
+              <a:t>2018</a:t>
             </a:r>
             <a:endParaRPr lang="en-US" altLang="zh-CN" dirty="0"/>
           </a:p>
@@ -19015,9 +19023,12 @@
 </file>
 
 <file path=customXml/item1.xml><?xml version="1.0" encoding="utf-8"?>
-<p:properties xmlns:p="http://schemas.microsoft.com/office/2006/metadata/properties" xmlns:xsi="http://www.w3.org/2001/XMLSchema-instance" xmlns:pc="http://schemas.microsoft.com/office/infopath/2007/PartnerControls">
-  <documentManagement/>
-</p:properties>
+<?mso-contentType ?>
+<FormTemplates xmlns="http://schemas.microsoft.com/sharepoint/v3/contenttype/forms">
+  <Display>DocumentLibraryForm</Display>
+  <Edit>DocumentLibraryForm</Edit>
+  <New>DocumentLibraryForm</New>
+</FormTemplates>
 </file>
 
 <file path=customXml/item2.xml><?xml version="1.0" encoding="utf-8"?>
@@ -19135,19 +19146,15 @@
 </file>
 
 <file path=customXml/item3.xml><?xml version="1.0" encoding="utf-8"?>
-<?mso-contentType ?>
-<FormTemplates xmlns="http://schemas.microsoft.com/sharepoint/v3/contenttype/forms">
-  <Display>DocumentLibraryForm</Display>
-  <Edit>DocumentLibraryForm</Edit>
-  <New>DocumentLibraryForm</New>
-</FormTemplates>
+<p:properties xmlns:p="http://schemas.microsoft.com/office/2006/metadata/properties" xmlns:xsi="http://www.w3.org/2001/XMLSchema-instance" xmlns:pc="http://schemas.microsoft.com/office/infopath/2007/PartnerControls">
+  <documentManagement/>
+</p:properties>
 </file>
 
 <file path=customXml/itemProps1.xml><?xml version="1.0" encoding="utf-8"?>
-<ds:datastoreItem xmlns:ds="http://schemas.openxmlformats.org/officeDocument/2006/customXml" ds:itemID="{5CDA1B9E-6B9F-40FB-9892-06EA0B796379}">
+<ds:datastoreItem xmlns:ds="http://schemas.openxmlformats.org/officeDocument/2006/customXml" ds:itemID="{05DDAA30-69BD-4E17-AC95-0638DE6C39B9}">
   <ds:schemaRefs>
-    <ds:schemaRef ds:uri="http://schemas.microsoft.com/office/2006/metadata/properties"/>
-    <ds:schemaRef ds:uri="http://schemas.microsoft.com/office/infopath/2007/PartnerControls"/>
+    <ds:schemaRef ds:uri="http://schemas.microsoft.com/sharepoint/v3/contenttype/forms"/>
   </ds:schemaRefs>
 </ds:datastoreItem>
 </file>
@@ -19169,9 +19176,10 @@
 </file>
 
 <file path=customXml/itemProps3.xml><?xml version="1.0" encoding="utf-8"?>
-<ds:datastoreItem xmlns:ds="http://schemas.openxmlformats.org/officeDocument/2006/customXml" ds:itemID="{05DDAA30-69BD-4E17-AC95-0638DE6C39B9}">
+<ds:datastoreItem xmlns:ds="http://schemas.openxmlformats.org/officeDocument/2006/customXml" ds:itemID="{5CDA1B9E-6B9F-40FB-9892-06EA0B796379}">
   <ds:schemaRefs>
-    <ds:schemaRef ds:uri="http://schemas.microsoft.com/sharepoint/v3/contenttype/forms"/>
+    <ds:schemaRef ds:uri="http://schemas.microsoft.com/office/2006/metadata/properties"/>
+    <ds:schemaRef ds:uri="http://schemas.microsoft.com/office/infopath/2007/PartnerControls"/>
   </ds:schemaRefs>
 </ds:datastoreItem>
 </file>
--- a/chapter11/ASE_11_Design_Implementation.pptx
+++ b/chapter11/ASE_11_Design_Implementation.pptx
@@ -196,14 +196,6 @@
     </p:ext>
   </p:extLst>
 </p:presentation>
-</file>
-
-<file path=ppt/revisionInfo.xml><?xml version="1.0" encoding="utf-8"?>
-<p1510:revInfo xmlns:a="http://schemas.openxmlformats.org/drawingml/2006/main" xmlns:r="http://schemas.openxmlformats.org/officeDocument/2006/relationships" xmlns:p1510="http://schemas.microsoft.com/office/powerpoint/2015/10/main">
-  <p1510:revLst>
-    <p1510:client id="{97BB2D4A-8063-4264-9458-21B9BFCFA96C}" v="145" dt="2018-10-08T17:38:02.794"/>
-  </p1510:revLst>
-</p1510:revInfo>
 </file>
 
 <file path=ppt/changesInfos/changesInfo1.xml><?xml version="1.0" encoding="utf-8"?>
@@ -1400,6 +1392,54 @@
           </pc:spChg>
         </pc:sldLayoutChg>
       </pc:sldMasterChg>
+    </pc:docChg>
+  </pc:docChgLst>
+  <pc:docChgLst>
+    <pc:chgData name="Xin Zou" userId="260b9726081dae15" providerId="LiveId" clId="{3E7BE39E-3E2B-4A22-B3FE-53360BBF20C5}"/>
+    <pc:docChg chg="custSel modSld">
+      <pc:chgData name="Xin Zou" userId="260b9726081dae15" providerId="LiveId" clId="{3E7BE39E-3E2B-4A22-B3FE-53360BBF20C5}" dt="2018-11-22T06:14:46.939" v="1" actId="27636"/>
+      <pc:docMkLst>
+        <pc:docMk/>
+      </pc:docMkLst>
+      <pc:sldChg chg="modSp">
+        <pc:chgData name="Xin Zou" userId="260b9726081dae15" providerId="LiveId" clId="{3E7BE39E-3E2B-4A22-B3FE-53360BBF20C5}" dt="2018-11-22T06:14:46.939" v="1" actId="27636"/>
+        <pc:sldMkLst>
+          <pc:docMk/>
+          <pc:sldMk cId="4065874120" sldId="326"/>
+        </pc:sldMkLst>
+        <pc:spChg chg="mod">
+          <ac:chgData name="Xin Zou" userId="260b9726081dae15" providerId="LiveId" clId="{3E7BE39E-3E2B-4A22-B3FE-53360BBF20C5}" dt="2018-11-22T06:14:46.939" v="1" actId="27636"/>
+          <ac:spMkLst>
+            <pc:docMk/>
+            <pc:sldMk cId="4065874120" sldId="326"/>
+            <ac:spMk id="3" creationId="{00000000-0000-0000-0000-000000000000}"/>
+          </ac:spMkLst>
+        </pc:spChg>
+      </pc:sldChg>
+    </pc:docChg>
+  </pc:docChgLst>
+  <pc:docChgLst>
+    <pc:chgData name="Xin Zou" userId="260b9726081dae15" providerId="LiveId" clId="{0FBAAC8E-D93A-43AF-8C7A-F720C9ABC09C}"/>
+    <pc:docChg chg="modSld">
+      <pc:chgData name="Xin Zou" userId="260b9726081dae15" providerId="LiveId" clId="{0FBAAC8E-D93A-43AF-8C7A-F720C9ABC09C}" dt="2019-09-04T07:51:03.137" v="1" actId="20577"/>
+      <pc:docMkLst>
+        <pc:docMk/>
+      </pc:docMkLst>
+      <pc:sldChg chg="modSp">
+        <pc:chgData name="Xin Zou" userId="260b9726081dae15" providerId="LiveId" clId="{0FBAAC8E-D93A-43AF-8C7A-F720C9ABC09C}" dt="2019-09-04T07:51:03.137" v="1" actId="20577"/>
+        <pc:sldMkLst>
+          <pc:docMk/>
+          <pc:sldMk cId="0" sldId="265"/>
+        </pc:sldMkLst>
+        <pc:spChg chg="mod">
+          <ac:chgData name="Xin Zou" userId="260b9726081dae15" providerId="LiveId" clId="{0FBAAC8E-D93A-43AF-8C7A-F720C9ABC09C}" dt="2019-09-04T07:51:03.137" v="1" actId="20577"/>
+          <ac:spMkLst>
+            <pc:docMk/>
+            <pc:sldMk cId="0" sldId="265"/>
+            <ac:spMk id="6146" creationId="{00000000-0000-0000-0000-000000000000}"/>
+          </ac:spMkLst>
+        </pc:spChg>
+      </pc:sldChg>
     </pc:docChg>
   </pc:docChgLst>
 </pc:chgInfo>
@@ -4567,7 +4607,7 @@
             <a:fld id="{6455661B-2E2A-4413-A8EF-12FE8F14696A}" type="datetimeFigureOut">
               <a:rPr lang="en-US" smtClean="0"/>
               <a:pPr/>
-              <a:t>10/8/2018</a:t>
+              <a:t>9/4/2019</a:t>
             </a:fld>
             <a:endParaRPr lang="en-US"/>
           </a:p>
@@ -5033,7 +5073,7 @@
           <a:p>
             <a:fld id="{48A87A34-81AB-432B-8DAE-1953F412C126}" type="datetimeFigureOut">
               <a:rPr lang="en-US" smtClean="0"/>
-              <a:t>10/8/2018</a:t>
+              <a:t>9/4/2019</a:t>
             </a:fld>
             <a:endParaRPr lang="en-US" dirty="0"/>
           </a:p>
@@ -5315,7 +5355,7 @@
             <a:fld id="{48A87A34-81AB-432B-8DAE-1953F412C126}" type="datetimeFigureOut">
               <a:rPr lang="en-US" smtClean="0"/>
               <a:pPr/>
-              <a:t>10/8/2018</a:t>
+              <a:t>9/4/2019</a:t>
             </a:fld>
             <a:endParaRPr lang="en-US" dirty="0"/>
           </a:p>
@@ -5509,7 +5549,7 @@
             <a:fld id="{48A87A34-81AB-432B-8DAE-1953F412C126}" type="datetimeFigureOut">
               <a:rPr lang="en-US" smtClean="0"/>
               <a:pPr/>
-              <a:t>10/8/2018</a:t>
+              <a:t>9/4/2019</a:t>
             </a:fld>
             <a:endParaRPr lang="en-US" dirty="0"/>
           </a:p>
@@ -5772,7 +5812,7 @@
             <a:fld id="{48A87A34-81AB-432B-8DAE-1953F412C126}" type="datetimeFigureOut">
               <a:rPr lang="en-US" smtClean="0"/>
               <a:pPr/>
-              <a:t>10/8/2018</a:t>
+              <a:t>9/4/2019</a:t>
             </a:fld>
             <a:endParaRPr lang="en-US" dirty="0"/>
           </a:p>
@@ -6200,7 +6240,7 @@
             <a:fld id="{48A87A34-81AB-432B-8DAE-1953F412C126}" type="datetimeFigureOut">
               <a:rPr lang="en-US" smtClean="0"/>
               <a:pPr/>
-              <a:t>10/8/2018</a:t>
+              <a:t>9/4/2019</a:t>
             </a:fld>
             <a:endParaRPr lang="en-US" dirty="0"/>
           </a:p>
@@ -6748,7 +6788,7 @@
             <a:fld id="{48A87A34-81AB-432B-8DAE-1953F412C126}" type="datetimeFigureOut">
               <a:rPr lang="en-US" smtClean="0"/>
               <a:pPr/>
-              <a:t>10/8/2018</a:t>
+              <a:t>9/4/2019</a:t>
             </a:fld>
             <a:endParaRPr lang="en-US" dirty="0"/>
           </a:p>
@@ -7581,7 +7621,7 @@
             <a:fld id="{48A87A34-81AB-432B-8DAE-1953F412C126}" type="datetimeFigureOut">
               <a:rPr lang="en-US" smtClean="0"/>
               <a:pPr/>
-              <a:t>10/8/2018</a:t>
+              <a:t>9/4/2019</a:t>
             </a:fld>
             <a:endParaRPr lang="en-US" dirty="0"/>
           </a:p>
@@ -7752,7 +7792,7 @@
           <a:p>
             <a:fld id="{48A87A34-81AB-432B-8DAE-1953F412C126}" type="datetimeFigureOut">
               <a:rPr lang="en-US" smtClean="0"/>
-              <a:t>10/8/2018</a:t>
+              <a:t>9/4/2019</a:t>
             </a:fld>
             <a:endParaRPr lang="en-US" dirty="0"/>
           </a:p>
@@ -7932,7 +7972,7 @@
           <a:p>
             <a:fld id="{48A87A34-81AB-432B-8DAE-1953F412C126}" type="datetimeFigureOut">
               <a:rPr lang="en-US" smtClean="0"/>
-              <a:t>10/8/2018</a:t>
+              <a:t>9/4/2019</a:t>
             </a:fld>
             <a:endParaRPr lang="en-US" dirty="0"/>
           </a:p>
@@ -8102,7 +8142,7 @@
           <a:p>
             <a:fld id="{48A87A34-81AB-432B-8DAE-1953F412C126}" type="datetimeFigureOut">
               <a:rPr lang="en-US" smtClean="0"/>
-              <a:t>10/8/2018</a:t>
+              <a:t>9/4/2019</a:t>
             </a:fld>
             <a:endParaRPr lang="en-US" dirty="0"/>
           </a:p>
@@ -8359,7 +8399,7 @@
           <a:p>
             <a:fld id="{48A87A34-81AB-432B-8DAE-1953F412C126}" type="datetimeFigureOut">
               <a:rPr lang="en-US" smtClean="0"/>
-              <a:t>10/8/2018</a:t>
+              <a:t>9/4/2019</a:t>
             </a:fld>
             <a:endParaRPr lang="en-US" dirty="0"/>
           </a:p>
@@ -8591,7 +8631,7 @@
           <a:p>
             <a:fld id="{48A87A34-81AB-432B-8DAE-1953F412C126}" type="datetimeFigureOut">
               <a:rPr lang="en-US" smtClean="0"/>
-              <a:t>10/8/2018</a:t>
+              <a:t>9/4/2019</a:t>
             </a:fld>
             <a:endParaRPr lang="en-US" dirty="0"/>
           </a:p>
@@ -8984,7 +9024,7 @@
           <a:p>
             <a:fld id="{48A87A34-81AB-432B-8DAE-1953F412C126}" type="datetimeFigureOut">
               <a:rPr lang="en-US" smtClean="0"/>
-              <a:t>10/8/2018</a:t>
+              <a:t>9/4/2019</a:t>
             </a:fld>
             <a:endParaRPr lang="en-US" dirty="0"/>
           </a:p>
@@ -9102,7 +9142,7 @@
           <a:p>
             <a:fld id="{48A87A34-81AB-432B-8DAE-1953F412C126}" type="datetimeFigureOut">
               <a:rPr lang="en-US" smtClean="0"/>
-              <a:t>10/8/2018</a:t>
+              <a:t>9/4/2019</a:t>
             </a:fld>
             <a:endParaRPr lang="en-US" dirty="0"/>
           </a:p>
@@ -9197,7 +9237,7 @@
           <a:p>
             <a:fld id="{48A87A34-81AB-432B-8DAE-1953F412C126}" type="datetimeFigureOut">
               <a:rPr lang="en-US" smtClean="0"/>
-              <a:t>10/8/2018</a:t>
+              <a:t>9/4/2019</a:t>
             </a:fld>
             <a:endParaRPr lang="en-US" dirty="0"/>
           </a:p>
@@ -9470,7 +9510,7 @@
           <a:p>
             <a:fld id="{48A87A34-81AB-432B-8DAE-1953F412C126}" type="datetimeFigureOut">
               <a:rPr lang="en-US" smtClean="0"/>
-              <a:t>10/8/2018</a:t>
+              <a:t>9/4/2019</a:t>
             </a:fld>
             <a:endParaRPr lang="en-US" dirty="0"/>
           </a:p>
@@ -9751,7 +9791,7 @@
           <a:p>
             <a:fld id="{48A87A34-81AB-432B-8DAE-1953F412C126}" type="datetimeFigureOut">
               <a:rPr lang="en-US" smtClean="0"/>
-              <a:t>10/8/2018</a:t>
+              <a:t>9/4/2019</a:t>
             </a:fld>
             <a:endParaRPr lang="en-US" dirty="0"/>
           </a:p>
@@ -9992,7 +10032,7 @@
             <a:fld id="{48A87A34-81AB-432B-8DAE-1953F412C126}" type="datetimeFigureOut">
               <a:rPr lang="en-US" smtClean="0"/>
               <a:pPr/>
-              <a:t>10/8/2018</a:t>
+              <a:t>9/4/2019</a:t>
             </a:fld>
             <a:endParaRPr lang="en-US" dirty="0"/>
           </a:p>
@@ -10627,7 +10667,7 @@
             <a:pPr eaLnBrk="1" hangingPunct="1"/>
             <a:r>
               <a:rPr lang="en-US" altLang="zh-CN"/>
-              <a:t>2018</a:t>
+              <a:t>2019</a:t>
             </a:r>
             <a:endParaRPr lang="en-US" altLang="zh-CN" dirty="0"/>
           </a:p>
@@ -12024,11 +12064,14 @@
         <p:spPr/>
         <p:txBody>
           <a:bodyPr>
-            <a:normAutofit fontScale="55000" lnSpcReduction="20000"/>
+            <a:normAutofit fontScale="40000" lnSpcReduction="20000"/>
           </a:bodyPr>
           <a:lstStyle/>
           <a:p>
             <a:pPr marL="118872" indent="0">
+              <a:lnSpc>
+                <a:spcPct val="120000"/>
+              </a:lnSpc>
               <a:buNone/>
             </a:pPr>
             <a:r>
@@ -12042,6 +12085,11 @@
             <a:endParaRPr lang="en-US" altLang="zh-CN" dirty="0"/>
           </a:p>
           <a:p>
+            <a:pPr>
+              <a:lnSpc>
+                <a:spcPct val="120000"/>
+              </a:lnSpc>
+            </a:pPr>
             <a:r>
               <a:rPr lang="zh-CN" altLang="en-US" dirty="0"/>
               <a:t>管理机构可以发出指令，“改变读者借书数量的上限”，这样的信息会导致图书馆的处理规则发生变化，并且会导致相关信息出现在“公开显示设备”</a:t>
@@ -12056,6 +12104,11 @@
             </a:r>
           </a:p>
           <a:p>
+            <a:pPr>
+              <a:lnSpc>
+                <a:spcPct val="120000"/>
+              </a:lnSpc>
+            </a:pPr>
             <a:r>
               <a:rPr lang="zh-CN" altLang="en-US" dirty="0"/>
               <a:t>管理机构可以查询一定时间内图书借阅情况的明细或统计信息，这些信息或者返回到管理机构（例如</a:t>
@@ -12079,12 +12132,18 @@
           </a:p>
           <a:p>
             <a:pPr marL="118872" indent="0">
+              <a:lnSpc>
+                <a:spcPct val="120000"/>
+              </a:lnSpc>
               <a:buNone/>
             </a:pPr>
             <a:endParaRPr lang="en-US" altLang="zh-CN" dirty="0"/>
           </a:p>
           <a:p>
             <a:pPr marL="118872" indent="0">
+              <a:lnSpc>
+                <a:spcPct val="120000"/>
+              </a:lnSpc>
               <a:buNone/>
             </a:pPr>
             <a:r>
@@ -12097,6 +12156,11 @@
             </a:r>
           </a:p>
           <a:p>
+            <a:pPr>
+              <a:lnSpc>
+                <a:spcPct val="120000"/>
+              </a:lnSpc>
+            </a:pPr>
             <a:r>
               <a:rPr lang="zh-CN" altLang="en-US" dirty="0"/>
               <a:t>读者可以查询、预定、借出书籍。</a:t>
@@ -12104,12 +12168,18 @@
           </a:p>
           <a:p>
             <a:pPr marL="118872" indent="0">
+              <a:lnSpc>
+                <a:spcPct val="120000"/>
+              </a:lnSpc>
               <a:buNone/>
             </a:pPr>
             <a:endParaRPr lang="en-US" altLang="zh-CN" dirty="0"/>
           </a:p>
           <a:p>
             <a:pPr marL="118872" indent="0">
+              <a:lnSpc>
+                <a:spcPct val="120000"/>
+              </a:lnSpc>
               <a:buNone/>
             </a:pPr>
             <a:r>
@@ -12122,6 +12192,11 @@
             </a:r>
           </a:p>
           <a:p>
+            <a:pPr>
+              <a:lnSpc>
+                <a:spcPct val="120000"/>
+              </a:lnSpc>
+            </a:pPr>
             <a:r>
               <a:rPr lang="zh-CN" altLang="en-US" dirty="0"/>
               <a:t>新书入库的时候，书的各种属性会被录入到系统内的“图书数据库”，同时内部管理系统能触发流程，让预定某书的读者知道，他关心的书已经到货。</a:t>
@@ -12129,12 +12204,18 @@
           </a:p>
           <a:p>
             <a:pPr marL="118872" indent="0">
+              <a:lnSpc>
+                <a:spcPct val="120000"/>
+              </a:lnSpc>
               <a:buNone/>
             </a:pPr>
             <a:endParaRPr lang="en-US" altLang="zh-CN" dirty="0"/>
           </a:p>
           <a:p>
             <a:pPr marL="118872" indent="0">
+              <a:lnSpc>
+                <a:spcPct val="120000"/>
+              </a:lnSpc>
               <a:buNone/>
             </a:pPr>
             <a:r>
@@ -12147,6 +12228,11 @@
             </a:r>
           </a:p>
           <a:p>
+            <a:pPr>
+              <a:lnSpc>
+                <a:spcPct val="120000"/>
+              </a:lnSpc>
+            </a:pPr>
             <a:r>
               <a:rPr lang="zh-CN" altLang="en-US" dirty="0"/>
               <a:t>时间也是信息，当某个时间点到达的时候，系统内部的逻辑会触发一系列动作，导致信息的处理和流动，例如每天晚上</a:t>
@@ -12161,6 +12247,11 @@
             </a:r>
           </a:p>
           <a:p>
+            <a:pPr>
+              <a:lnSpc>
+                <a:spcPct val="120000"/>
+              </a:lnSpc>
+            </a:pPr>
             <a:endParaRPr lang="en-US" dirty="0"/>
           </a:p>
         </p:txBody>
@@ -14615,7 +14706,6 @@
         <a:blipFill dpi="0" rotWithShape="1">
           <a:blip r:embed="rId2">
             <a:lum/>
-            <a:extLst/>
           </a:blip>
           <a:srcRect/>
           <a:stretch>
@@ -16741,7 +16831,6 @@
         <a:blipFill dpi="0" rotWithShape="1">
           <a:blip r:embed="rId2">
             <a:lum/>
-            <a:extLst/>
           </a:blip>
           <a:srcRect/>
           <a:stretch>
@@ -17543,7 +17632,6 @@
         <a:blipFill dpi="0" rotWithShape="1">
           <a:blip r:embed="rId2">
             <a:lum/>
-            <a:extLst/>
           </a:blip>
           <a:srcRect/>
           <a:stretch>
@@ -19032,6 +19120,12 @@
 </file>
 
 <file path=customXml/item2.xml><?xml version="1.0" encoding="utf-8"?>
+<p:properties xmlns:p="http://schemas.microsoft.com/office/2006/metadata/properties" xmlns:xsi="http://www.w3.org/2001/XMLSchema-instance" xmlns:pc="http://schemas.microsoft.com/office/infopath/2007/PartnerControls">
+  <documentManagement/>
+</p:properties>
+</file>
+
+<file path=customXml/item3.xml><?xml version="1.0" encoding="utf-8"?>
 <ct:contentTypeSchema xmlns:ct="http://schemas.microsoft.com/office/2006/metadata/contentType" xmlns:ma="http://schemas.microsoft.com/office/2006/metadata/properties/metaAttributes" ct:_="" ma:_="" ma:contentTypeName="Document" ma:contentTypeID="0x0101006371182FA640024E8A2815D490E1EF25" ma:contentTypeVersion="0" ma:contentTypeDescription="Create a new document." ma:contentTypeScope="" ma:versionID="3591aab47f172a2900f307f59d422227">
   <xsd:schema xmlns:xsd="http://www.w3.org/2001/XMLSchema" xmlns:xs="http://www.w3.org/2001/XMLSchema" xmlns:p="http://schemas.microsoft.com/office/2006/metadata/properties" targetNamespace="http://schemas.microsoft.com/office/2006/metadata/properties" ma:root="true" ma:fieldsID="1f28ea01430cdfb20a10736313f817e3">
     <xsd:element name="properties">
@@ -19145,12 +19239,6 @@
 </ct:contentTypeSchema>
 </file>
 
-<file path=customXml/item3.xml><?xml version="1.0" encoding="utf-8"?>
-<p:properties xmlns:p="http://schemas.microsoft.com/office/2006/metadata/properties" xmlns:xsi="http://www.w3.org/2001/XMLSchema-instance" xmlns:pc="http://schemas.microsoft.com/office/infopath/2007/PartnerControls">
-  <documentManagement/>
-</p:properties>
-</file>
-
 <file path=customXml/itemProps1.xml><?xml version="1.0" encoding="utf-8"?>
 <ds:datastoreItem xmlns:ds="http://schemas.openxmlformats.org/officeDocument/2006/customXml" ds:itemID="{05DDAA30-69BD-4E17-AC95-0638DE6C39B9}">
   <ds:schemaRefs>
@@ -19160,6 +19248,15 @@
 </file>
 
 <file path=customXml/itemProps2.xml><?xml version="1.0" encoding="utf-8"?>
+<ds:datastoreItem xmlns:ds="http://schemas.openxmlformats.org/officeDocument/2006/customXml" ds:itemID="{5CDA1B9E-6B9F-40FB-9892-06EA0B796379}">
+  <ds:schemaRefs>
+    <ds:schemaRef ds:uri="http://schemas.microsoft.com/office/2006/metadata/properties"/>
+    <ds:schemaRef ds:uri="http://schemas.microsoft.com/office/infopath/2007/PartnerControls"/>
+  </ds:schemaRefs>
+</ds:datastoreItem>
+</file>
+
+<file path=customXml/itemProps3.xml><?xml version="1.0" encoding="utf-8"?>
 <ds:datastoreItem xmlns:ds="http://schemas.openxmlformats.org/officeDocument/2006/customXml" ds:itemID="{23EBCAF6-AC09-4CBB-AE79-44B6DDF5AB10}">
   <ds:schemaRefs>
     <ds:schemaRef ds:uri="http://schemas.microsoft.com/office/2006/metadata/contentType"/>
@@ -19173,13 +19270,4 @@
     <ds:schemaRef ds:uri="http://schemas.microsoft.com/office/infopath/2007/PartnerControls"/>
   </ds:schemaRefs>
 </ds:datastoreItem>
-</file>
-
-<file path=customXml/itemProps3.xml><?xml version="1.0" encoding="utf-8"?>
-<ds:datastoreItem xmlns:ds="http://schemas.openxmlformats.org/officeDocument/2006/customXml" ds:itemID="{5CDA1B9E-6B9F-40FB-9892-06EA0B796379}">
-  <ds:schemaRefs>
-    <ds:schemaRef ds:uri="http://schemas.microsoft.com/office/2006/metadata/properties"/>
-    <ds:schemaRef ds:uri="http://schemas.microsoft.com/office/infopath/2007/PartnerControls"/>
-  </ds:schemaRefs>
-</ds:datastoreItem>
 </file>